--- a/sample.pptx
+++ b/sample.pptx
@@ -3254,7 +3254,7 @@
           <a:p>
             <a:r>
               <a:rPr dirty="0" lang="en-US" smtClean="0"/>
-              <a:t>t0168e217f18f2e890c.jpg</a:t>
+              <a:t>三驾马车</a:t>
             </a:r>
             <a:endParaRPr dirty="0" lang="en-US"/>
           </a:p>
@@ -3284,8 +3284,8 @@
         </p:blipFill>
         <p:spPr>
           <a:xfrm>
-            <a:off x="3060700" y="1524000"/>
-            <a:ext cx="3022600" cy="762000"/>
+            <a:off x="3511550" y="1524000"/>
+            <a:ext cx="2120900" cy="1714500"/>
           </a:xfrm>
           <a:prstGeom prst="rect">
             <a:avLst/>
@@ -3339,7 +3339,7 @@
           <a:p>
             <a:r>
               <a:rPr dirty="0" lang="en-US" smtClean="0"/>
-              <a:t>sDWu-fxkaiqx4194912.jpg</a:t>
+              <a:t>陪读老人</a:t>
             </a:r>
             <a:endParaRPr dirty="0" lang="en-US"/>
           </a:p>
@@ -3370,7 +3370,7 @@
         <p:spPr>
           <a:xfrm>
             <a:off x="1079500" y="1524000"/>
-            <a:ext cx="6985000" cy="3924905"/>
+            <a:ext cx="6985000" cy="4656667"/>
           </a:xfrm>
           <a:prstGeom prst="rect">
             <a:avLst/>
@@ -3424,7 +3424,7 @@
           <a:p>
             <a:r>
               <a:rPr dirty="0" lang="en-US" smtClean="0"/>
-              <a:t>ky6C-fxizwsi5532133.jpg</a:t>
+              <a:t>九寨沟</a:t>
             </a:r>
             <a:endParaRPr dirty="0" lang="en-US"/>
           </a:p>
@@ -3454,8 +3454,8 @@
         </p:blipFill>
         <p:spPr>
           <a:xfrm>
-            <a:off x="1079500" y="1524000"/>
-            <a:ext cx="6985000" cy="3924905"/>
+            <a:off x="2667000" y="1524000"/>
+            <a:ext cx="3810000" cy="2857500"/>
           </a:xfrm>
           <a:prstGeom prst="rect">
             <a:avLst/>
